--- a/docs/Charte_graphique.pptx
+++ b/docs/Charte_graphique.pptx
@@ -307,7 +307,7 @@
               <a:rPr lang="fr-FR" smtClean="0">
                 <a:latin typeface="Trebuchet MS" panose="020B0703020202090204" pitchFamily="34" charset="0"/>
               </a:rPr>
-              <a:t>13/05/2024</a:t>
+              <a:t>09/06/2024</a:t>
             </a:fld>
             <a:endParaRPr lang="fr-FR" dirty="0">
               <a:latin typeface="Trebuchet MS" panose="020B0703020202090204" pitchFamily="34" charset="0"/>
@@ -497,7 +497,7 @@
             <a:fld id="{27F0061E-6F1A-014C-85F0-A025E81E686E}" type="datetimeFigureOut">
               <a:rPr lang="fr-FR" smtClean="0"/>
               <a:pPr/>
-              <a:t>13/05/2024</a:t>
+              <a:t>09/06/2024</a:t>
             </a:fld>
             <a:endParaRPr lang="fr-FR" dirty="0"/>
           </a:p>
@@ -6960,7 +6960,7 @@
           <a:p>
             <a:r>
               <a:rPr lang="fr-CH" sz="1050" dirty="0"/>
-              <a:t>La version simplifié est sans aucun textes</a:t>
+              <a:t>La version simplifiée est sans aucun textes</a:t>
             </a:r>
           </a:p>
         </p:txBody>
@@ -8154,7 +8154,7 @@
                   <a:srgbClr val="0C0B0B"/>
                 </a:solidFill>
               </a:rPr>
-              <a:t>Utiliser pour les titres, sous-titres et tous le texte a mettre en évidence.</a:t>
+              <a:t>Utiliser pour les titres, sous-titres et tous le texte à mettre en évidence.</a:t>
             </a:r>
           </a:p>
           <a:p>
@@ -8716,7 +8716,7 @@
                 <a:ea typeface="Open Sans" panose="020B0606030504020204" pitchFamily="34" charset="0"/>
                 <a:cs typeface="Open Sans" panose="020B0606030504020204" pitchFamily="34" charset="0"/>
               </a:rPr>
-              <a:t>Tout dépend dans quelles endroits ils sont utilisées.</a:t>
+              <a:t>Tout dépend dans quels endroits ils sont utilisés.</a:t>
             </a:r>
             <a:br>
               <a:rPr lang="fr-FR" noProof="1">
@@ -8767,7 +8767,7 @@
                 <a:ea typeface="Open Sans" panose="020B0606030504020204" pitchFamily="34" charset="0"/>
                 <a:cs typeface="Open Sans" panose="020B0606030504020204" pitchFamily="34" charset="0"/>
               </a:rPr>
-              <a:t>Pour facilité l’utilisateur à se retrouver et comprendre l’application</a:t>
+              <a:t>Pour faciliter l’utilisateur à se retrouver et comprendre l’application</a:t>
             </a:r>
           </a:p>
           <a:p>
